--- a/SustainabilityProject_Powerpoint.pptx
+++ b/SustainabilityProject_Powerpoint.pptx
@@ -18225,7 +18225,7 @@
         </p:nvSpPr>
         <p:spPr>
           <a:xfrm>
-            <a:off x="342899" y="97469"/>
+            <a:off x="145365" y="32788"/>
             <a:ext cx="6463301" cy="1322888"/>
           </a:xfrm>
         </p:spPr>
@@ -18237,7 +18237,7 @@
           <a:p>
             <a:r>
               <a:rPr lang="en-US" b="1" dirty="0"/>
-              <a:t>Preprocessing</a:t>
+              <a:t>Preprocessing Steps 1-4</a:t>
             </a:r>
           </a:p>
         </p:txBody>
@@ -19375,7 +19375,7 @@
         </p:nvSpPr>
         <p:spPr>
           <a:xfrm>
-            <a:off x="5674629" y="540080"/>
+            <a:off x="145366" y="2776442"/>
             <a:ext cx="6463301" cy="3361125"/>
           </a:xfrm>
         </p:spPr>
@@ -19400,14 +19400,14 @@
             </a:r>
           </a:p>
           <a:p>
-            <a:pPr marL="0" indent="0">
-              <a:buNone/>
+            <a:pPr marL="514350" indent="-514350">
+              <a:buAutoNum type="arabicPeriod"/>
             </a:pPr>
             <a:endParaRPr lang="en-US" sz="2000" dirty="0"/>
           </a:p>
           <a:p>
-            <a:pPr marL="0" indent="0">
-              <a:buNone/>
+            <a:pPr marL="514350" indent="-514350">
+              <a:buAutoNum type="arabicPeriod"/>
             </a:pPr>
             <a:endParaRPr lang="en-US" sz="2000" dirty="0"/>
           </a:p>
@@ -19473,7 +19473,7 @@
         </p:blipFill>
         <p:spPr>
           <a:xfrm>
-            <a:off x="5755385" y="1699957"/>
+            <a:off x="373015" y="3946126"/>
             <a:ext cx="5449148" cy="1322887"/>
           </a:xfrm>
           <a:prstGeom prst="rect">
@@ -19502,7 +19502,7 @@
         </p:blipFill>
         <p:spPr>
           <a:xfrm>
-            <a:off x="5755385" y="3769320"/>
+            <a:off x="273052" y="5898695"/>
             <a:ext cx="5495144" cy="470844"/>
           </a:xfrm>
           <a:prstGeom prst="rect">
@@ -21390,7 +21390,7 @@
         </p:blipFill>
         <p:spPr>
           <a:xfrm>
-            <a:off x="5726810" y="5158043"/>
+            <a:off x="6377583" y="5082944"/>
             <a:ext cx="5647366" cy="723035"/>
           </a:xfrm>
           <a:prstGeom prst="rect">
@@ -21398,6 +21398,46 @@
           </a:prstGeom>
         </p:spPr>
       </p:pic>
+      <p:sp>
+        <p:nvSpPr>
+          <p:cNvPr id="15" name="TextBox 14">
+            <a:extLst>
+              <a:ext uri="{FF2B5EF4-FFF2-40B4-BE49-F238E27FC236}">
+                <a16:creationId xmlns:a16="http://schemas.microsoft.com/office/drawing/2014/main" id="{7280B536-D3A5-448E-8A59-E668D53BD5A7}"/>
+              </a:ext>
+            </a:extLst>
+          </p:cNvPr>
+          <p:cNvSpPr txBox="1"/>
+          <p:nvPr/>
+        </p:nvSpPr>
+        <p:spPr>
+          <a:xfrm>
+            <a:off x="373015" y="1205046"/>
+            <a:ext cx="5495144" cy="1384995"/>
+          </a:xfrm>
+          <a:prstGeom prst="rect">
+            <a:avLst/>
+          </a:prstGeom>
+          <a:noFill/>
+        </p:spPr>
+        <p:txBody>
+          <a:bodyPr wrap="square" rtlCol="0">
+            <a:spAutoFit/>
+          </a:bodyPr>
+          <a:lstStyle/>
+          <a:p>
+            <a:pPr>
+              <a:spcAft>
+                <a:spcPts val="600"/>
+              </a:spcAft>
+            </a:pPr>
+            <a:r>
+              <a:rPr lang="en-US" sz="2800" dirty="0"/>
+              <a:t>Biggest preprocessing challenge was figuring out how to remove or fill all the Nan values. </a:t>
+            </a:r>
+          </a:p>
+        </p:txBody>
+      </p:sp>
       <p:sp>
         <p:nvSpPr>
           <p:cNvPr id="10" name="TextBox 9">
@@ -21412,8 +21452,8 @@
         </p:nvSpPr>
         <p:spPr>
           <a:xfrm>
-            <a:off x="5674629" y="4426565"/>
-            <a:ext cx="5941109" cy="2431435"/>
+            <a:off x="6041248" y="888765"/>
+            <a:ext cx="5941109" cy="5816977"/>
           </a:xfrm>
           <a:prstGeom prst="rect">
             <a:avLst/>
@@ -21434,7 +21474,82 @@
             </a:pPr>
             <a:r>
               <a:rPr lang="en-US" sz="2000" dirty="0"/>
-              <a:t>3. Dropped columns with high correlations to another</a:t>
+              <a:t>3.  Use columns with high correlations to fill in missing values. </a:t>
+            </a:r>
+          </a:p>
+          <a:p>
+            <a:pPr marL="0" indent="0">
+              <a:spcAft>
+                <a:spcPts val="600"/>
+              </a:spcAft>
+              <a:buNone/>
+            </a:pPr>
+            <a:endParaRPr lang="en-US" sz="2000" dirty="0"/>
+          </a:p>
+          <a:p>
+            <a:pPr marL="0" indent="0">
+              <a:spcAft>
+                <a:spcPts val="600"/>
+              </a:spcAft>
+              <a:buNone/>
+            </a:pPr>
+            <a:endParaRPr lang="en-US" sz="2000" dirty="0"/>
+          </a:p>
+          <a:p>
+            <a:pPr marL="0" indent="0">
+              <a:spcAft>
+                <a:spcPts val="600"/>
+              </a:spcAft>
+              <a:buNone/>
+            </a:pPr>
+            <a:endParaRPr lang="en-US" sz="2000" dirty="0"/>
+          </a:p>
+          <a:p>
+            <a:pPr marL="0" indent="0">
+              <a:spcAft>
+                <a:spcPts val="600"/>
+              </a:spcAft>
+              <a:buNone/>
+            </a:pPr>
+            <a:endParaRPr lang="en-US" sz="2000" dirty="0"/>
+          </a:p>
+          <a:p>
+            <a:pPr marL="0" indent="0">
+              <a:spcAft>
+                <a:spcPts val="600"/>
+              </a:spcAft>
+              <a:buNone/>
+            </a:pPr>
+            <a:endParaRPr lang="en-US" sz="2000" dirty="0"/>
+          </a:p>
+          <a:p>
+            <a:pPr marL="0" indent="0">
+              <a:spcAft>
+                <a:spcPts val="600"/>
+              </a:spcAft>
+              <a:buNone/>
+            </a:pPr>
+            <a:endParaRPr lang="en-US" sz="2000" dirty="0"/>
+          </a:p>
+          <a:p>
+            <a:pPr marL="0" indent="0">
+              <a:spcAft>
+                <a:spcPts val="600"/>
+              </a:spcAft>
+              <a:buNone/>
+            </a:pPr>
+            <a:endParaRPr lang="en-US" sz="2000" dirty="0"/>
+          </a:p>
+          <a:p>
+            <a:pPr marL="0" indent="0">
+              <a:spcAft>
+                <a:spcPts val="600"/>
+              </a:spcAft>
+              <a:buNone/>
+            </a:pPr>
+            <a:r>
+              <a:rPr lang="en-US" sz="2000" dirty="0"/>
+              <a:t>4. Dropped columns with high correlations to another</a:t>
             </a:r>
           </a:p>
           <a:p>
@@ -21475,46 +21590,35 @@
           </a:p>
         </p:txBody>
       </p:sp>
-      <p:sp>
-        <p:nvSpPr>
-          <p:cNvPr id="15" name="TextBox 14">
+      <p:pic>
+        <p:nvPicPr>
+          <p:cNvPr id="17" name="Picture 16" descr="Graphical user interface, text, application&#10;&#10;Description automatically generated">
             <a:extLst>
               <a:ext uri="{FF2B5EF4-FFF2-40B4-BE49-F238E27FC236}">
-                <a16:creationId xmlns:a16="http://schemas.microsoft.com/office/drawing/2014/main" id="{7280B536-D3A5-448E-8A59-E668D53BD5A7}"/>
+                <a16:creationId xmlns:a16="http://schemas.microsoft.com/office/drawing/2014/main" id="{D73A74AD-E478-4A8D-884E-9B8152CD87C5}"/>
               </a:ext>
             </a:extLst>
           </p:cNvPr>
-          <p:cNvSpPr txBox="1"/>
+          <p:cNvPicPr>
+            <a:picLocks noChangeAspect="1"/>
+          </p:cNvPicPr>
           <p:nvPr/>
-        </p:nvSpPr>
+        </p:nvPicPr>
+        <p:blipFill rotWithShape="1">
+          <a:blip r:embed="rId5"/>
+          <a:srcRect l="22299" t="31304" r="28891" b="34093"/>
+          <a:stretch/>
+        </p:blipFill>
         <p:spPr>
           <a:xfrm>
-            <a:off x="373015" y="1205046"/>
-            <a:ext cx="4200525" cy="1815882"/>
+            <a:off x="6095809" y="1659068"/>
+            <a:ext cx="5950825" cy="2371855"/>
           </a:xfrm>
           <a:prstGeom prst="rect">
             <a:avLst/>
           </a:prstGeom>
-          <a:noFill/>
         </p:spPr>
-        <p:txBody>
-          <a:bodyPr wrap="square" rtlCol="0">
-            <a:spAutoFit/>
-          </a:bodyPr>
-          <a:lstStyle/>
-          <a:p>
-            <a:pPr>
-              <a:spcAft>
-                <a:spcPts val="600"/>
-              </a:spcAft>
-            </a:pPr>
-            <a:r>
-              <a:rPr lang="en-US" sz="2800" dirty="0"/>
-              <a:t>Biggest preprocessing challenge was figuring out how to remove or fill all of the Nan values. </a:t>
-            </a:r>
-          </a:p>
-        </p:txBody>
-      </p:sp>
+      </p:pic>
     </p:spTree>
     <p:extLst>
       <p:ext uri="{BB962C8B-B14F-4D97-AF65-F5344CB8AC3E}">
@@ -23197,7 +23301,7 @@
           <a:p>
             <a:r>
               <a:rPr lang="en-US" b="1" dirty="0"/>
-              <a:t>Preprocessing</a:t>
+              <a:t>Preprocessing Step 4.</a:t>
             </a:r>
           </a:p>
         </p:txBody>
@@ -23232,7 +23336,7 @@
           <a:p>
             <a:r>
               <a:rPr lang="en-US" sz="2000" dirty="0"/>
-              <a:t>Upper Matrix used to find columns with high correlations with one another and remove one. </a:t>
+              <a:t>Upper Matrix used to find columns with high correlations (&gt;0.8) with one another and remove one. </a:t>
             </a:r>
           </a:p>
         </p:txBody>
@@ -24848,7 +24952,7 @@
           <a:p>
             <a:r>
               <a:rPr lang="en-US" dirty="0"/>
-              <a:t>Preprocessing Step 4</a:t>
+              <a:t>Preprocessing Step 5</a:t>
             </a:r>
           </a:p>
         </p:txBody>
